--- a/ppt 16-9/1594.赞美歌声不息.pptx
+++ b/ppt 16-9/1594.赞美歌声不息.pptx
@@ -129,7 +129,7 @@
           <p:cNvPr id="2" name="标题 1">
             <a:extLst>
               <a:ext uri="{FF2B5EF4-FFF2-40B4-BE49-F238E27FC236}">
-                <a16:creationId xmlns:a16="http://schemas.microsoft.com/office/drawing/2014/main" id="{681E0F49-098D-D05A-05FB-10B707A8D91D}"/>
+                <a16:creationId xmlns:a16="http://schemas.microsoft.com/office/drawing/2014/main" id="{5A253741-DFC7-2215-6896-8FD3DF6877F5}"/>
               </a:ext>
             </a:extLst>
           </p:cNvPr>
@@ -166,7 +166,7 @@
           <p:cNvPr id="3" name="副标题 2">
             <a:extLst>
               <a:ext uri="{FF2B5EF4-FFF2-40B4-BE49-F238E27FC236}">
-                <a16:creationId xmlns:a16="http://schemas.microsoft.com/office/drawing/2014/main" id="{5601D800-A8A9-DF02-EAEA-4FAEE4406770}"/>
+                <a16:creationId xmlns:a16="http://schemas.microsoft.com/office/drawing/2014/main" id="{6D7E7337-CFCA-8AEC-D44A-1383CBB1914A}"/>
               </a:ext>
             </a:extLst>
           </p:cNvPr>
@@ -236,7 +236,7 @@
           <p:cNvPr id="4" name="日期占位符 3">
             <a:extLst>
               <a:ext uri="{FF2B5EF4-FFF2-40B4-BE49-F238E27FC236}">
-                <a16:creationId xmlns:a16="http://schemas.microsoft.com/office/drawing/2014/main" id="{426F9901-5567-10C7-BA62-7462BB4096FD}"/>
+                <a16:creationId xmlns:a16="http://schemas.microsoft.com/office/drawing/2014/main" id="{F821137C-4704-DA3D-C265-B420E7B8D30B}"/>
               </a:ext>
             </a:extLst>
           </p:cNvPr>
@@ -252,7 +252,7 @@
           <a:bodyPr/>
           <a:lstStyle/>
           <a:p>
-            <a:fld id="{91FB37E2-4918-450D-8F54-0B555F638F47}" type="datetimeFigureOut">
+            <a:fld id="{8D8BE1EE-4370-4AF9-A707-2000E373C4F5}" type="datetimeFigureOut">
               <a:rPr lang="zh-CN" altLang="en-US" smtClean="0"/>
               <a:t>2024/3/10</a:t>
             </a:fld>
@@ -265,7 +265,7 @@
           <p:cNvPr id="5" name="页脚占位符 4">
             <a:extLst>
               <a:ext uri="{FF2B5EF4-FFF2-40B4-BE49-F238E27FC236}">
-                <a16:creationId xmlns:a16="http://schemas.microsoft.com/office/drawing/2014/main" id="{16099A77-ABEE-E822-FF69-00DE0DAD6170}"/>
+                <a16:creationId xmlns:a16="http://schemas.microsoft.com/office/drawing/2014/main" id="{2A7E69CC-88BC-B2C3-0B1A-BD3709A3B15F}"/>
               </a:ext>
             </a:extLst>
           </p:cNvPr>
@@ -290,7 +290,7 @@
           <p:cNvPr id="6" name="灯片编号占位符 5">
             <a:extLst>
               <a:ext uri="{FF2B5EF4-FFF2-40B4-BE49-F238E27FC236}">
-                <a16:creationId xmlns:a16="http://schemas.microsoft.com/office/drawing/2014/main" id="{BAA4BF34-C8E2-EE37-B3CF-11B773FA9AEB}"/>
+                <a16:creationId xmlns:a16="http://schemas.microsoft.com/office/drawing/2014/main" id="{13C355F5-A9F1-9323-0E38-E6B8559A6BE7}"/>
               </a:ext>
             </a:extLst>
           </p:cNvPr>
@@ -306,7 +306,7 @@
           <a:bodyPr/>
           <a:lstStyle/>
           <a:p>
-            <a:fld id="{6D08D4B1-29A7-438F-A800-F31A448C27B8}" type="slidenum">
+            <a:fld id="{4E874D6C-7D2A-4B06-A12C-79502C0EDDA8}" type="slidenum">
               <a:rPr lang="zh-CN" altLang="en-US" smtClean="0"/>
               <a:t>‹#›</a:t>
             </a:fld>
@@ -317,7 +317,7 @@
     </p:spTree>
     <p:extLst>
       <p:ext uri="{BB962C8B-B14F-4D97-AF65-F5344CB8AC3E}">
-        <p14:creationId xmlns:p14="http://schemas.microsoft.com/office/powerpoint/2010/main" val="3380797957"/>
+        <p14:creationId xmlns:p14="http://schemas.microsoft.com/office/powerpoint/2010/main" val="1977236058"/>
       </p:ext>
     </p:extLst>
   </p:cSld>
@@ -349,7 +349,7 @@
           <p:cNvPr id="2" name="标题 1">
             <a:extLst>
               <a:ext uri="{FF2B5EF4-FFF2-40B4-BE49-F238E27FC236}">
-                <a16:creationId xmlns:a16="http://schemas.microsoft.com/office/drawing/2014/main" id="{C8CDEE44-AE69-141E-28C5-0AF5809482C8}"/>
+                <a16:creationId xmlns:a16="http://schemas.microsoft.com/office/drawing/2014/main" id="{441C64A5-E3FE-E8B9-7B03-AFF80D0E1D45}"/>
               </a:ext>
             </a:extLst>
           </p:cNvPr>
@@ -377,7 +377,7 @@
           <p:cNvPr id="3" name="竖排文字占位符 2">
             <a:extLst>
               <a:ext uri="{FF2B5EF4-FFF2-40B4-BE49-F238E27FC236}">
-                <a16:creationId xmlns:a16="http://schemas.microsoft.com/office/drawing/2014/main" id="{8BBF0A73-9F20-5FE9-6941-7E5A3DA0D2E4}"/>
+                <a16:creationId xmlns:a16="http://schemas.microsoft.com/office/drawing/2014/main" id="{42701928-6D14-5B1C-0885-0FCD38FF8516}"/>
               </a:ext>
             </a:extLst>
           </p:cNvPr>
@@ -434,7 +434,7 @@
           <p:cNvPr id="4" name="日期占位符 3">
             <a:extLst>
               <a:ext uri="{FF2B5EF4-FFF2-40B4-BE49-F238E27FC236}">
-                <a16:creationId xmlns:a16="http://schemas.microsoft.com/office/drawing/2014/main" id="{5BF227C7-ED81-D11E-A4A1-2C792A7D0ABA}"/>
+                <a16:creationId xmlns:a16="http://schemas.microsoft.com/office/drawing/2014/main" id="{18EBC279-3BF9-4DA4-C783-B65AAB26CFDC}"/>
               </a:ext>
             </a:extLst>
           </p:cNvPr>
@@ -450,7 +450,7 @@
           <a:bodyPr/>
           <a:lstStyle/>
           <a:p>
-            <a:fld id="{91FB37E2-4918-450D-8F54-0B555F638F47}" type="datetimeFigureOut">
+            <a:fld id="{8D8BE1EE-4370-4AF9-A707-2000E373C4F5}" type="datetimeFigureOut">
               <a:rPr lang="zh-CN" altLang="en-US" smtClean="0"/>
               <a:t>2024/3/10</a:t>
             </a:fld>
@@ -463,7 +463,7 @@
           <p:cNvPr id="5" name="页脚占位符 4">
             <a:extLst>
               <a:ext uri="{FF2B5EF4-FFF2-40B4-BE49-F238E27FC236}">
-                <a16:creationId xmlns:a16="http://schemas.microsoft.com/office/drawing/2014/main" id="{C35E4F4F-C9B1-3F3B-7CE0-685C337F20B7}"/>
+                <a16:creationId xmlns:a16="http://schemas.microsoft.com/office/drawing/2014/main" id="{A954381C-2106-BD85-C1FC-0562B983E268}"/>
               </a:ext>
             </a:extLst>
           </p:cNvPr>
@@ -488,7 +488,7 @@
           <p:cNvPr id="6" name="灯片编号占位符 5">
             <a:extLst>
               <a:ext uri="{FF2B5EF4-FFF2-40B4-BE49-F238E27FC236}">
-                <a16:creationId xmlns:a16="http://schemas.microsoft.com/office/drawing/2014/main" id="{E87DC8CA-0126-7A54-62B7-D7D7C1B21D36}"/>
+                <a16:creationId xmlns:a16="http://schemas.microsoft.com/office/drawing/2014/main" id="{455C0425-354C-E2BD-F8F9-8CFF1A630554}"/>
               </a:ext>
             </a:extLst>
           </p:cNvPr>
@@ -504,7 +504,7 @@
           <a:bodyPr/>
           <a:lstStyle/>
           <a:p>
-            <a:fld id="{6D08D4B1-29A7-438F-A800-F31A448C27B8}" type="slidenum">
+            <a:fld id="{4E874D6C-7D2A-4B06-A12C-79502C0EDDA8}" type="slidenum">
               <a:rPr lang="zh-CN" altLang="en-US" smtClean="0"/>
               <a:t>‹#›</a:t>
             </a:fld>
@@ -515,7 +515,7 @@
     </p:spTree>
     <p:extLst>
       <p:ext uri="{BB962C8B-B14F-4D97-AF65-F5344CB8AC3E}">
-        <p14:creationId xmlns:p14="http://schemas.microsoft.com/office/powerpoint/2010/main" val="4104406169"/>
+        <p14:creationId xmlns:p14="http://schemas.microsoft.com/office/powerpoint/2010/main" val="1530999085"/>
       </p:ext>
     </p:extLst>
   </p:cSld>
@@ -547,7 +547,7 @@
           <p:cNvPr id="2" name="竖排标题 1">
             <a:extLst>
               <a:ext uri="{FF2B5EF4-FFF2-40B4-BE49-F238E27FC236}">
-                <a16:creationId xmlns:a16="http://schemas.microsoft.com/office/drawing/2014/main" id="{FC101A59-6AA9-AB83-35A5-D2C5E276ED33}"/>
+                <a16:creationId xmlns:a16="http://schemas.microsoft.com/office/drawing/2014/main" id="{C50B19AA-632E-C0FE-3F6E-CAB91679E96A}"/>
               </a:ext>
             </a:extLst>
           </p:cNvPr>
@@ -580,7 +580,7 @@
           <p:cNvPr id="3" name="竖排文字占位符 2">
             <a:extLst>
               <a:ext uri="{FF2B5EF4-FFF2-40B4-BE49-F238E27FC236}">
-                <a16:creationId xmlns:a16="http://schemas.microsoft.com/office/drawing/2014/main" id="{98F23464-D036-2C5B-B952-FFF1C96D417F}"/>
+                <a16:creationId xmlns:a16="http://schemas.microsoft.com/office/drawing/2014/main" id="{BE23B6ED-9F79-CC12-688D-28B4D3FA644D}"/>
               </a:ext>
             </a:extLst>
           </p:cNvPr>
@@ -642,7 +642,7 @@
           <p:cNvPr id="4" name="日期占位符 3">
             <a:extLst>
               <a:ext uri="{FF2B5EF4-FFF2-40B4-BE49-F238E27FC236}">
-                <a16:creationId xmlns:a16="http://schemas.microsoft.com/office/drawing/2014/main" id="{D7282BB3-FEC3-92A9-58B3-6BFD345A7A97}"/>
+                <a16:creationId xmlns:a16="http://schemas.microsoft.com/office/drawing/2014/main" id="{17E605C4-795C-0C46-B362-29EA2F4367D8}"/>
               </a:ext>
             </a:extLst>
           </p:cNvPr>
@@ -658,7 +658,7 @@
           <a:bodyPr/>
           <a:lstStyle/>
           <a:p>
-            <a:fld id="{91FB37E2-4918-450D-8F54-0B555F638F47}" type="datetimeFigureOut">
+            <a:fld id="{8D8BE1EE-4370-4AF9-A707-2000E373C4F5}" type="datetimeFigureOut">
               <a:rPr lang="zh-CN" altLang="en-US" smtClean="0"/>
               <a:t>2024/3/10</a:t>
             </a:fld>
@@ -671,7 +671,7 @@
           <p:cNvPr id="5" name="页脚占位符 4">
             <a:extLst>
               <a:ext uri="{FF2B5EF4-FFF2-40B4-BE49-F238E27FC236}">
-                <a16:creationId xmlns:a16="http://schemas.microsoft.com/office/drawing/2014/main" id="{041135A8-B558-B0C4-223C-313F1B43776A}"/>
+                <a16:creationId xmlns:a16="http://schemas.microsoft.com/office/drawing/2014/main" id="{44698D05-DC53-F540-E99A-DE44C9E53260}"/>
               </a:ext>
             </a:extLst>
           </p:cNvPr>
@@ -696,7 +696,7 @@
           <p:cNvPr id="6" name="灯片编号占位符 5">
             <a:extLst>
               <a:ext uri="{FF2B5EF4-FFF2-40B4-BE49-F238E27FC236}">
-                <a16:creationId xmlns:a16="http://schemas.microsoft.com/office/drawing/2014/main" id="{0CD9B1A1-326F-133D-2A12-91D77BA66CE8}"/>
+                <a16:creationId xmlns:a16="http://schemas.microsoft.com/office/drawing/2014/main" id="{B542D55E-3EDD-67FE-A1BE-9C27895A4378}"/>
               </a:ext>
             </a:extLst>
           </p:cNvPr>
@@ -712,7 +712,7 @@
           <a:bodyPr/>
           <a:lstStyle/>
           <a:p>
-            <a:fld id="{6D08D4B1-29A7-438F-A800-F31A448C27B8}" type="slidenum">
+            <a:fld id="{4E874D6C-7D2A-4B06-A12C-79502C0EDDA8}" type="slidenum">
               <a:rPr lang="zh-CN" altLang="en-US" smtClean="0"/>
               <a:t>‹#›</a:t>
             </a:fld>
@@ -723,7 +723,7 @@
     </p:spTree>
     <p:extLst>
       <p:ext uri="{BB962C8B-B14F-4D97-AF65-F5344CB8AC3E}">
-        <p14:creationId xmlns:p14="http://schemas.microsoft.com/office/powerpoint/2010/main" val="819640785"/>
+        <p14:creationId xmlns:p14="http://schemas.microsoft.com/office/powerpoint/2010/main" val="2044473913"/>
       </p:ext>
     </p:extLst>
   </p:cSld>
@@ -755,7 +755,7 @@
           <p:cNvPr id="2" name="标题 1">
             <a:extLst>
               <a:ext uri="{FF2B5EF4-FFF2-40B4-BE49-F238E27FC236}">
-                <a16:creationId xmlns:a16="http://schemas.microsoft.com/office/drawing/2014/main" id="{589B3216-4643-05B8-BC33-F29FE9F36A0D}"/>
+                <a16:creationId xmlns:a16="http://schemas.microsoft.com/office/drawing/2014/main" id="{82960F94-C030-57B6-687F-DD87DF4D4E52}"/>
               </a:ext>
             </a:extLst>
           </p:cNvPr>
@@ -783,7 +783,7 @@
           <p:cNvPr id="3" name="内容占位符 2">
             <a:extLst>
               <a:ext uri="{FF2B5EF4-FFF2-40B4-BE49-F238E27FC236}">
-                <a16:creationId xmlns:a16="http://schemas.microsoft.com/office/drawing/2014/main" id="{8279A7D9-ADC7-C316-D4D9-34AE219ED471}"/>
+                <a16:creationId xmlns:a16="http://schemas.microsoft.com/office/drawing/2014/main" id="{06E4829B-199B-0319-C980-A1D0C6DE35E2}"/>
               </a:ext>
             </a:extLst>
           </p:cNvPr>
@@ -840,7 +840,7 @@
           <p:cNvPr id="4" name="日期占位符 3">
             <a:extLst>
               <a:ext uri="{FF2B5EF4-FFF2-40B4-BE49-F238E27FC236}">
-                <a16:creationId xmlns:a16="http://schemas.microsoft.com/office/drawing/2014/main" id="{467C5D8D-D75F-F5C1-7BEC-88E18C6C81AF}"/>
+                <a16:creationId xmlns:a16="http://schemas.microsoft.com/office/drawing/2014/main" id="{6BD5639B-9FC4-4D47-F575-24DDBD418B2E}"/>
               </a:ext>
             </a:extLst>
           </p:cNvPr>
@@ -856,7 +856,7 @@
           <a:bodyPr/>
           <a:lstStyle/>
           <a:p>
-            <a:fld id="{91FB37E2-4918-450D-8F54-0B555F638F47}" type="datetimeFigureOut">
+            <a:fld id="{8D8BE1EE-4370-4AF9-A707-2000E373C4F5}" type="datetimeFigureOut">
               <a:rPr lang="zh-CN" altLang="en-US" smtClean="0"/>
               <a:t>2024/3/10</a:t>
             </a:fld>
@@ -869,7 +869,7 @@
           <p:cNvPr id="5" name="页脚占位符 4">
             <a:extLst>
               <a:ext uri="{FF2B5EF4-FFF2-40B4-BE49-F238E27FC236}">
-                <a16:creationId xmlns:a16="http://schemas.microsoft.com/office/drawing/2014/main" id="{6FD810B9-FA5B-498B-2C90-97C10CDD00A0}"/>
+                <a16:creationId xmlns:a16="http://schemas.microsoft.com/office/drawing/2014/main" id="{2C7C3023-7DFB-5E1F-1288-15749EFB7124}"/>
               </a:ext>
             </a:extLst>
           </p:cNvPr>
@@ -894,7 +894,7 @@
           <p:cNvPr id="6" name="灯片编号占位符 5">
             <a:extLst>
               <a:ext uri="{FF2B5EF4-FFF2-40B4-BE49-F238E27FC236}">
-                <a16:creationId xmlns:a16="http://schemas.microsoft.com/office/drawing/2014/main" id="{04218018-640A-44A4-1CBA-ED1586B660D0}"/>
+                <a16:creationId xmlns:a16="http://schemas.microsoft.com/office/drawing/2014/main" id="{A1F4B9A0-B8B3-6C44-44D1-8A75621CD133}"/>
               </a:ext>
             </a:extLst>
           </p:cNvPr>
@@ -910,7 +910,7 @@
           <a:bodyPr/>
           <a:lstStyle/>
           <a:p>
-            <a:fld id="{6D08D4B1-29A7-438F-A800-F31A448C27B8}" type="slidenum">
+            <a:fld id="{4E874D6C-7D2A-4B06-A12C-79502C0EDDA8}" type="slidenum">
               <a:rPr lang="zh-CN" altLang="en-US" smtClean="0"/>
               <a:t>‹#›</a:t>
             </a:fld>
@@ -921,7 +921,7 @@
     </p:spTree>
     <p:extLst>
       <p:ext uri="{BB962C8B-B14F-4D97-AF65-F5344CB8AC3E}">
-        <p14:creationId xmlns:p14="http://schemas.microsoft.com/office/powerpoint/2010/main" val="1703934673"/>
+        <p14:creationId xmlns:p14="http://schemas.microsoft.com/office/powerpoint/2010/main" val="1357124127"/>
       </p:ext>
     </p:extLst>
   </p:cSld>
@@ -953,7 +953,7 @@
           <p:cNvPr id="2" name="标题 1">
             <a:extLst>
               <a:ext uri="{FF2B5EF4-FFF2-40B4-BE49-F238E27FC236}">
-                <a16:creationId xmlns:a16="http://schemas.microsoft.com/office/drawing/2014/main" id="{80DD7230-221D-E6E7-B19F-026756B36A06}"/>
+                <a16:creationId xmlns:a16="http://schemas.microsoft.com/office/drawing/2014/main" id="{153D6937-944A-C756-551F-754C26F230DF}"/>
               </a:ext>
             </a:extLst>
           </p:cNvPr>
@@ -990,7 +990,7 @@
           <p:cNvPr id="3" name="文本占位符 2">
             <a:extLst>
               <a:ext uri="{FF2B5EF4-FFF2-40B4-BE49-F238E27FC236}">
-                <a16:creationId xmlns:a16="http://schemas.microsoft.com/office/drawing/2014/main" id="{3A799755-0207-EF62-12C9-113D3074B3D1}"/>
+                <a16:creationId xmlns:a16="http://schemas.microsoft.com/office/drawing/2014/main" id="{DBD28FAF-AB28-5787-764F-D8C7289A75C9}"/>
               </a:ext>
             </a:extLst>
           </p:cNvPr>
@@ -1115,7 +1115,7 @@
           <p:cNvPr id="4" name="日期占位符 3">
             <a:extLst>
               <a:ext uri="{FF2B5EF4-FFF2-40B4-BE49-F238E27FC236}">
-                <a16:creationId xmlns:a16="http://schemas.microsoft.com/office/drawing/2014/main" id="{F731C824-56F1-D1D2-2F56-01B875164116}"/>
+                <a16:creationId xmlns:a16="http://schemas.microsoft.com/office/drawing/2014/main" id="{6CC8801A-4E42-8D47-152B-B7FD2BBD72C4}"/>
               </a:ext>
             </a:extLst>
           </p:cNvPr>
@@ -1131,7 +1131,7 @@
           <a:bodyPr/>
           <a:lstStyle/>
           <a:p>
-            <a:fld id="{91FB37E2-4918-450D-8F54-0B555F638F47}" type="datetimeFigureOut">
+            <a:fld id="{8D8BE1EE-4370-4AF9-A707-2000E373C4F5}" type="datetimeFigureOut">
               <a:rPr lang="zh-CN" altLang="en-US" smtClean="0"/>
               <a:t>2024/3/10</a:t>
             </a:fld>
@@ -1144,7 +1144,7 @@
           <p:cNvPr id="5" name="页脚占位符 4">
             <a:extLst>
               <a:ext uri="{FF2B5EF4-FFF2-40B4-BE49-F238E27FC236}">
-                <a16:creationId xmlns:a16="http://schemas.microsoft.com/office/drawing/2014/main" id="{49A2116E-7CE6-B352-9273-F10243E61406}"/>
+                <a16:creationId xmlns:a16="http://schemas.microsoft.com/office/drawing/2014/main" id="{DF680A7D-6538-9626-3B36-31A2BB9CADD6}"/>
               </a:ext>
             </a:extLst>
           </p:cNvPr>
@@ -1169,7 +1169,7 @@
           <p:cNvPr id="6" name="灯片编号占位符 5">
             <a:extLst>
               <a:ext uri="{FF2B5EF4-FFF2-40B4-BE49-F238E27FC236}">
-                <a16:creationId xmlns:a16="http://schemas.microsoft.com/office/drawing/2014/main" id="{FC090A10-FB24-DB08-9EB0-3D2D9F181316}"/>
+                <a16:creationId xmlns:a16="http://schemas.microsoft.com/office/drawing/2014/main" id="{6A436767-CA6F-DD86-B4BB-42E089C64D0A}"/>
               </a:ext>
             </a:extLst>
           </p:cNvPr>
@@ -1185,7 +1185,7 @@
           <a:bodyPr/>
           <a:lstStyle/>
           <a:p>
-            <a:fld id="{6D08D4B1-29A7-438F-A800-F31A448C27B8}" type="slidenum">
+            <a:fld id="{4E874D6C-7D2A-4B06-A12C-79502C0EDDA8}" type="slidenum">
               <a:rPr lang="zh-CN" altLang="en-US" smtClean="0"/>
               <a:t>‹#›</a:t>
             </a:fld>
@@ -1196,7 +1196,7 @@
     </p:spTree>
     <p:extLst>
       <p:ext uri="{BB962C8B-B14F-4D97-AF65-F5344CB8AC3E}">
-        <p14:creationId xmlns:p14="http://schemas.microsoft.com/office/powerpoint/2010/main" val="3748472981"/>
+        <p14:creationId xmlns:p14="http://schemas.microsoft.com/office/powerpoint/2010/main" val="3986398487"/>
       </p:ext>
     </p:extLst>
   </p:cSld>
@@ -1228,7 +1228,7 @@
           <p:cNvPr id="2" name="标题 1">
             <a:extLst>
               <a:ext uri="{FF2B5EF4-FFF2-40B4-BE49-F238E27FC236}">
-                <a16:creationId xmlns:a16="http://schemas.microsoft.com/office/drawing/2014/main" id="{A89EE213-CDAB-C71C-34D5-E5296D2D2502}"/>
+                <a16:creationId xmlns:a16="http://schemas.microsoft.com/office/drawing/2014/main" id="{3557737C-563B-0E09-F29F-C9F8DB3CFC44}"/>
               </a:ext>
             </a:extLst>
           </p:cNvPr>
@@ -1256,7 +1256,7 @@
           <p:cNvPr id="3" name="内容占位符 2">
             <a:extLst>
               <a:ext uri="{FF2B5EF4-FFF2-40B4-BE49-F238E27FC236}">
-                <a16:creationId xmlns:a16="http://schemas.microsoft.com/office/drawing/2014/main" id="{DC2E2ADA-80BC-D212-CE0C-05A6FA079FA4}"/>
+                <a16:creationId xmlns:a16="http://schemas.microsoft.com/office/drawing/2014/main" id="{16DA6C9F-9FF9-5D75-DB9B-2CA4CB1F312D}"/>
               </a:ext>
             </a:extLst>
           </p:cNvPr>
@@ -1318,7 +1318,7 @@
           <p:cNvPr id="4" name="内容占位符 3">
             <a:extLst>
               <a:ext uri="{FF2B5EF4-FFF2-40B4-BE49-F238E27FC236}">
-                <a16:creationId xmlns:a16="http://schemas.microsoft.com/office/drawing/2014/main" id="{58243139-CA96-0C64-3388-241B28DC2BC5}"/>
+                <a16:creationId xmlns:a16="http://schemas.microsoft.com/office/drawing/2014/main" id="{96AB015C-59F3-C343-BC52-7B43C10FAEDD}"/>
               </a:ext>
             </a:extLst>
           </p:cNvPr>
@@ -1380,7 +1380,7 @@
           <p:cNvPr id="5" name="日期占位符 4">
             <a:extLst>
               <a:ext uri="{FF2B5EF4-FFF2-40B4-BE49-F238E27FC236}">
-                <a16:creationId xmlns:a16="http://schemas.microsoft.com/office/drawing/2014/main" id="{A0AC3650-3F52-A8AF-B9A8-6231301CA200}"/>
+                <a16:creationId xmlns:a16="http://schemas.microsoft.com/office/drawing/2014/main" id="{A38D37C2-6D8F-D544-B6A9-BADA973889EA}"/>
               </a:ext>
             </a:extLst>
           </p:cNvPr>
@@ -1396,7 +1396,7 @@
           <a:bodyPr/>
           <a:lstStyle/>
           <a:p>
-            <a:fld id="{91FB37E2-4918-450D-8F54-0B555F638F47}" type="datetimeFigureOut">
+            <a:fld id="{8D8BE1EE-4370-4AF9-A707-2000E373C4F5}" type="datetimeFigureOut">
               <a:rPr lang="zh-CN" altLang="en-US" smtClean="0"/>
               <a:t>2024/3/10</a:t>
             </a:fld>
@@ -1409,7 +1409,7 @@
           <p:cNvPr id="6" name="页脚占位符 5">
             <a:extLst>
               <a:ext uri="{FF2B5EF4-FFF2-40B4-BE49-F238E27FC236}">
-                <a16:creationId xmlns:a16="http://schemas.microsoft.com/office/drawing/2014/main" id="{9165157B-9875-E187-4530-B1E93D59B858}"/>
+                <a16:creationId xmlns:a16="http://schemas.microsoft.com/office/drawing/2014/main" id="{29BD2A50-7524-A455-3CC1-04BA78C13CC6}"/>
               </a:ext>
             </a:extLst>
           </p:cNvPr>
@@ -1434,7 +1434,7 @@
           <p:cNvPr id="7" name="灯片编号占位符 6">
             <a:extLst>
               <a:ext uri="{FF2B5EF4-FFF2-40B4-BE49-F238E27FC236}">
-                <a16:creationId xmlns:a16="http://schemas.microsoft.com/office/drawing/2014/main" id="{E39F100B-5B83-58B9-F9C2-CE23EC698E50}"/>
+                <a16:creationId xmlns:a16="http://schemas.microsoft.com/office/drawing/2014/main" id="{126B5A08-FA3C-EEF2-D153-4CBC587E1865}"/>
               </a:ext>
             </a:extLst>
           </p:cNvPr>
@@ -1450,7 +1450,7 @@
           <a:bodyPr/>
           <a:lstStyle/>
           <a:p>
-            <a:fld id="{6D08D4B1-29A7-438F-A800-F31A448C27B8}" type="slidenum">
+            <a:fld id="{4E874D6C-7D2A-4B06-A12C-79502C0EDDA8}" type="slidenum">
               <a:rPr lang="zh-CN" altLang="en-US" smtClean="0"/>
               <a:t>‹#›</a:t>
             </a:fld>
@@ -1461,7 +1461,7 @@
     </p:spTree>
     <p:extLst>
       <p:ext uri="{BB962C8B-B14F-4D97-AF65-F5344CB8AC3E}">
-        <p14:creationId xmlns:p14="http://schemas.microsoft.com/office/powerpoint/2010/main" val="3147318057"/>
+        <p14:creationId xmlns:p14="http://schemas.microsoft.com/office/powerpoint/2010/main" val="1772122338"/>
       </p:ext>
     </p:extLst>
   </p:cSld>
@@ -1493,7 +1493,7 @@
           <p:cNvPr id="2" name="标题 1">
             <a:extLst>
               <a:ext uri="{FF2B5EF4-FFF2-40B4-BE49-F238E27FC236}">
-                <a16:creationId xmlns:a16="http://schemas.microsoft.com/office/drawing/2014/main" id="{582D7B8A-6092-D96A-1BE9-ED7EA0EB2BC2}"/>
+                <a16:creationId xmlns:a16="http://schemas.microsoft.com/office/drawing/2014/main" id="{6C8327F6-67E5-0284-6A83-4535545B204D}"/>
               </a:ext>
             </a:extLst>
           </p:cNvPr>
@@ -1526,7 +1526,7 @@
           <p:cNvPr id="3" name="文本占位符 2">
             <a:extLst>
               <a:ext uri="{FF2B5EF4-FFF2-40B4-BE49-F238E27FC236}">
-                <a16:creationId xmlns:a16="http://schemas.microsoft.com/office/drawing/2014/main" id="{27F61DD7-4135-93D7-D135-D26FB5102C9D}"/>
+                <a16:creationId xmlns:a16="http://schemas.microsoft.com/office/drawing/2014/main" id="{42E8621F-EA58-C6DA-7E47-41B0516AF136}"/>
               </a:ext>
             </a:extLst>
           </p:cNvPr>
@@ -1597,7 +1597,7 @@
           <p:cNvPr id="4" name="内容占位符 3">
             <a:extLst>
               <a:ext uri="{FF2B5EF4-FFF2-40B4-BE49-F238E27FC236}">
-                <a16:creationId xmlns:a16="http://schemas.microsoft.com/office/drawing/2014/main" id="{DAEF39FC-4857-7435-9767-9ED88F2AE8DA}"/>
+                <a16:creationId xmlns:a16="http://schemas.microsoft.com/office/drawing/2014/main" id="{8206C5FB-CDFA-A007-C13B-8A5589F4C247}"/>
               </a:ext>
             </a:extLst>
           </p:cNvPr>
@@ -1659,7 +1659,7 @@
           <p:cNvPr id="5" name="文本占位符 4">
             <a:extLst>
               <a:ext uri="{FF2B5EF4-FFF2-40B4-BE49-F238E27FC236}">
-                <a16:creationId xmlns:a16="http://schemas.microsoft.com/office/drawing/2014/main" id="{2EC13B3F-30E9-2BC0-8F12-17DFE91F67B9}"/>
+                <a16:creationId xmlns:a16="http://schemas.microsoft.com/office/drawing/2014/main" id="{FA93A10A-EBBF-4278-B286-B6B957575D10}"/>
               </a:ext>
             </a:extLst>
           </p:cNvPr>
@@ -1730,7 +1730,7 @@
           <p:cNvPr id="6" name="内容占位符 5">
             <a:extLst>
               <a:ext uri="{FF2B5EF4-FFF2-40B4-BE49-F238E27FC236}">
-                <a16:creationId xmlns:a16="http://schemas.microsoft.com/office/drawing/2014/main" id="{80B53596-47E6-BD41-C51B-3C39FDC18B83}"/>
+                <a16:creationId xmlns:a16="http://schemas.microsoft.com/office/drawing/2014/main" id="{31EF133B-C786-37D2-526B-5473E42C4D71}"/>
               </a:ext>
             </a:extLst>
           </p:cNvPr>
@@ -1792,7 +1792,7 @@
           <p:cNvPr id="7" name="日期占位符 6">
             <a:extLst>
               <a:ext uri="{FF2B5EF4-FFF2-40B4-BE49-F238E27FC236}">
-                <a16:creationId xmlns:a16="http://schemas.microsoft.com/office/drawing/2014/main" id="{B3D44F0E-BD7C-5C29-43FB-F85EBF245ACF}"/>
+                <a16:creationId xmlns:a16="http://schemas.microsoft.com/office/drawing/2014/main" id="{3679D491-0996-B5C8-F2DD-DE82978163D6}"/>
               </a:ext>
             </a:extLst>
           </p:cNvPr>
@@ -1808,7 +1808,7 @@
           <a:bodyPr/>
           <a:lstStyle/>
           <a:p>
-            <a:fld id="{91FB37E2-4918-450D-8F54-0B555F638F47}" type="datetimeFigureOut">
+            <a:fld id="{8D8BE1EE-4370-4AF9-A707-2000E373C4F5}" type="datetimeFigureOut">
               <a:rPr lang="zh-CN" altLang="en-US" smtClean="0"/>
               <a:t>2024/3/10</a:t>
             </a:fld>
@@ -1821,7 +1821,7 @@
           <p:cNvPr id="8" name="页脚占位符 7">
             <a:extLst>
               <a:ext uri="{FF2B5EF4-FFF2-40B4-BE49-F238E27FC236}">
-                <a16:creationId xmlns:a16="http://schemas.microsoft.com/office/drawing/2014/main" id="{E97401A1-D4D8-3912-358B-3B5B5A4471DB}"/>
+                <a16:creationId xmlns:a16="http://schemas.microsoft.com/office/drawing/2014/main" id="{BD59554C-AAAF-CD1D-5B8F-2EEAF27E387F}"/>
               </a:ext>
             </a:extLst>
           </p:cNvPr>
@@ -1846,7 +1846,7 @@
           <p:cNvPr id="9" name="灯片编号占位符 8">
             <a:extLst>
               <a:ext uri="{FF2B5EF4-FFF2-40B4-BE49-F238E27FC236}">
-                <a16:creationId xmlns:a16="http://schemas.microsoft.com/office/drawing/2014/main" id="{0F2E6154-C110-017A-DCF5-1938D9ABF01C}"/>
+                <a16:creationId xmlns:a16="http://schemas.microsoft.com/office/drawing/2014/main" id="{65FB18E0-7F25-E152-547F-7936D46819CE}"/>
               </a:ext>
             </a:extLst>
           </p:cNvPr>
@@ -1862,7 +1862,7 @@
           <a:bodyPr/>
           <a:lstStyle/>
           <a:p>
-            <a:fld id="{6D08D4B1-29A7-438F-A800-F31A448C27B8}" type="slidenum">
+            <a:fld id="{4E874D6C-7D2A-4B06-A12C-79502C0EDDA8}" type="slidenum">
               <a:rPr lang="zh-CN" altLang="en-US" smtClean="0"/>
               <a:t>‹#›</a:t>
             </a:fld>
@@ -1873,7 +1873,7 @@
     </p:spTree>
     <p:extLst>
       <p:ext uri="{BB962C8B-B14F-4D97-AF65-F5344CB8AC3E}">
-        <p14:creationId xmlns:p14="http://schemas.microsoft.com/office/powerpoint/2010/main" val="3251920004"/>
+        <p14:creationId xmlns:p14="http://schemas.microsoft.com/office/powerpoint/2010/main" val="3321046006"/>
       </p:ext>
     </p:extLst>
   </p:cSld>
@@ -1905,7 +1905,7 @@
           <p:cNvPr id="2" name="标题 1">
             <a:extLst>
               <a:ext uri="{FF2B5EF4-FFF2-40B4-BE49-F238E27FC236}">
-                <a16:creationId xmlns:a16="http://schemas.microsoft.com/office/drawing/2014/main" id="{863AEAC9-2F5E-6B92-5C7D-B63FD24EBCD3}"/>
+                <a16:creationId xmlns:a16="http://schemas.microsoft.com/office/drawing/2014/main" id="{813494AD-27C3-FDA9-E2C8-5F4B1803DBE4}"/>
               </a:ext>
             </a:extLst>
           </p:cNvPr>
@@ -1933,7 +1933,7 @@
           <p:cNvPr id="3" name="日期占位符 2">
             <a:extLst>
               <a:ext uri="{FF2B5EF4-FFF2-40B4-BE49-F238E27FC236}">
-                <a16:creationId xmlns:a16="http://schemas.microsoft.com/office/drawing/2014/main" id="{0B8A90BC-8A26-E8F1-55A7-41C83762E721}"/>
+                <a16:creationId xmlns:a16="http://schemas.microsoft.com/office/drawing/2014/main" id="{CE906F48-1339-EB30-924D-8AEF9E3713A0}"/>
               </a:ext>
             </a:extLst>
           </p:cNvPr>
@@ -1949,7 +1949,7 @@
           <a:bodyPr/>
           <a:lstStyle/>
           <a:p>
-            <a:fld id="{91FB37E2-4918-450D-8F54-0B555F638F47}" type="datetimeFigureOut">
+            <a:fld id="{8D8BE1EE-4370-4AF9-A707-2000E373C4F5}" type="datetimeFigureOut">
               <a:rPr lang="zh-CN" altLang="en-US" smtClean="0"/>
               <a:t>2024/3/10</a:t>
             </a:fld>
@@ -1962,7 +1962,7 @@
           <p:cNvPr id="4" name="页脚占位符 3">
             <a:extLst>
               <a:ext uri="{FF2B5EF4-FFF2-40B4-BE49-F238E27FC236}">
-                <a16:creationId xmlns:a16="http://schemas.microsoft.com/office/drawing/2014/main" id="{341F6A24-CF69-C0A2-7809-3D0CEF252E1E}"/>
+                <a16:creationId xmlns:a16="http://schemas.microsoft.com/office/drawing/2014/main" id="{A2506D4F-440F-D7C0-CF8D-A84E09747C2F}"/>
               </a:ext>
             </a:extLst>
           </p:cNvPr>
@@ -1987,7 +1987,7 @@
           <p:cNvPr id="5" name="灯片编号占位符 4">
             <a:extLst>
               <a:ext uri="{FF2B5EF4-FFF2-40B4-BE49-F238E27FC236}">
-                <a16:creationId xmlns:a16="http://schemas.microsoft.com/office/drawing/2014/main" id="{4C3F2AA7-8A23-0B55-D8CC-8737AC7B4F8D}"/>
+                <a16:creationId xmlns:a16="http://schemas.microsoft.com/office/drawing/2014/main" id="{F45542B0-A8EB-F35B-5604-D4790635FD20}"/>
               </a:ext>
             </a:extLst>
           </p:cNvPr>
@@ -2003,7 +2003,7 @@
           <a:bodyPr/>
           <a:lstStyle/>
           <a:p>
-            <a:fld id="{6D08D4B1-29A7-438F-A800-F31A448C27B8}" type="slidenum">
+            <a:fld id="{4E874D6C-7D2A-4B06-A12C-79502C0EDDA8}" type="slidenum">
               <a:rPr lang="zh-CN" altLang="en-US" smtClean="0"/>
               <a:t>‹#›</a:t>
             </a:fld>
@@ -2014,7 +2014,7 @@
     </p:spTree>
     <p:extLst>
       <p:ext uri="{BB962C8B-B14F-4D97-AF65-F5344CB8AC3E}">
-        <p14:creationId xmlns:p14="http://schemas.microsoft.com/office/powerpoint/2010/main" val="2782859162"/>
+        <p14:creationId xmlns:p14="http://schemas.microsoft.com/office/powerpoint/2010/main" val="871530232"/>
       </p:ext>
     </p:extLst>
   </p:cSld>
@@ -2046,7 +2046,7 @@
           <p:cNvPr id="2" name="日期占位符 1">
             <a:extLst>
               <a:ext uri="{FF2B5EF4-FFF2-40B4-BE49-F238E27FC236}">
-                <a16:creationId xmlns:a16="http://schemas.microsoft.com/office/drawing/2014/main" id="{AB71A596-E530-1532-9964-C035A09A8BA6}"/>
+                <a16:creationId xmlns:a16="http://schemas.microsoft.com/office/drawing/2014/main" id="{864A08F3-8F17-FF48-E2CB-8CEBCC728EE5}"/>
               </a:ext>
             </a:extLst>
           </p:cNvPr>
@@ -2062,7 +2062,7 @@
           <a:bodyPr/>
           <a:lstStyle/>
           <a:p>
-            <a:fld id="{91FB37E2-4918-450D-8F54-0B555F638F47}" type="datetimeFigureOut">
+            <a:fld id="{8D8BE1EE-4370-4AF9-A707-2000E373C4F5}" type="datetimeFigureOut">
               <a:rPr lang="zh-CN" altLang="en-US" smtClean="0"/>
               <a:t>2024/3/10</a:t>
             </a:fld>
@@ -2075,7 +2075,7 @@
           <p:cNvPr id="3" name="页脚占位符 2">
             <a:extLst>
               <a:ext uri="{FF2B5EF4-FFF2-40B4-BE49-F238E27FC236}">
-                <a16:creationId xmlns:a16="http://schemas.microsoft.com/office/drawing/2014/main" id="{B19179D9-AEEA-9A05-3CE4-1CB41866AA3D}"/>
+                <a16:creationId xmlns:a16="http://schemas.microsoft.com/office/drawing/2014/main" id="{4F1BA9A2-417A-C5DC-52B5-1EB64F65C680}"/>
               </a:ext>
             </a:extLst>
           </p:cNvPr>
@@ -2100,7 +2100,7 @@
           <p:cNvPr id="4" name="灯片编号占位符 3">
             <a:extLst>
               <a:ext uri="{FF2B5EF4-FFF2-40B4-BE49-F238E27FC236}">
-                <a16:creationId xmlns:a16="http://schemas.microsoft.com/office/drawing/2014/main" id="{3AC698E5-53B9-0B58-1677-A9448C7C1F94}"/>
+                <a16:creationId xmlns:a16="http://schemas.microsoft.com/office/drawing/2014/main" id="{99591DF2-30A7-32BC-1AD9-CDC02AEB79E1}"/>
               </a:ext>
             </a:extLst>
           </p:cNvPr>
@@ -2116,7 +2116,7 @@
           <a:bodyPr/>
           <a:lstStyle/>
           <a:p>
-            <a:fld id="{6D08D4B1-29A7-438F-A800-F31A448C27B8}" type="slidenum">
+            <a:fld id="{4E874D6C-7D2A-4B06-A12C-79502C0EDDA8}" type="slidenum">
               <a:rPr lang="zh-CN" altLang="en-US" smtClean="0"/>
               <a:t>‹#›</a:t>
             </a:fld>
@@ -2127,7 +2127,7 @@
     </p:spTree>
     <p:extLst>
       <p:ext uri="{BB962C8B-B14F-4D97-AF65-F5344CB8AC3E}">
-        <p14:creationId xmlns:p14="http://schemas.microsoft.com/office/powerpoint/2010/main" val="4214835076"/>
+        <p14:creationId xmlns:p14="http://schemas.microsoft.com/office/powerpoint/2010/main" val="2585542278"/>
       </p:ext>
     </p:extLst>
   </p:cSld>
@@ -2159,7 +2159,7 @@
           <p:cNvPr id="2" name="标题 1">
             <a:extLst>
               <a:ext uri="{FF2B5EF4-FFF2-40B4-BE49-F238E27FC236}">
-                <a16:creationId xmlns:a16="http://schemas.microsoft.com/office/drawing/2014/main" id="{749B8D5D-3DFC-1864-567C-6592D67B0CD7}"/>
+                <a16:creationId xmlns:a16="http://schemas.microsoft.com/office/drawing/2014/main" id="{510D608A-E9EE-4977-9A47-0F0560A2A0E0}"/>
               </a:ext>
             </a:extLst>
           </p:cNvPr>
@@ -2196,7 +2196,7 @@
           <p:cNvPr id="3" name="内容占位符 2">
             <a:extLst>
               <a:ext uri="{FF2B5EF4-FFF2-40B4-BE49-F238E27FC236}">
-                <a16:creationId xmlns:a16="http://schemas.microsoft.com/office/drawing/2014/main" id="{98EC57A5-1387-7C5A-38C8-8D7FFD1825B5}"/>
+                <a16:creationId xmlns:a16="http://schemas.microsoft.com/office/drawing/2014/main" id="{0B98BD0B-D00F-A127-1A09-AABDCE382353}"/>
               </a:ext>
             </a:extLst>
           </p:cNvPr>
@@ -2286,7 +2286,7 @@
           <p:cNvPr id="4" name="文本占位符 3">
             <a:extLst>
               <a:ext uri="{FF2B5EF4-FFF2-40B4-BE49-F238E27FC236}">
-                <a16:creationId xmlns:a16="http://schemas.microsoft.com/office/drawing/2014/main" id="{8BC9048B-78A6-9F89-95ED-54FFF2EFE4DC}"/>
+                <a16:creationId xmlns:a16="http://schemas.microsoft.com/office/drawing/2014/main" id="{32C98E52-E3F9-C446-8497-47BF1B9AFDA2}"/>
               </a:ext>
             </a:extLst>
           </p:cNvPr>
@@ -2357,7 +2357,7 @@
           <p:cNvPr id="5" name="日期占位符 4">
             <a:extLst>
               <a:ext uri="{FF2B5EF4-FFF2-40B4-BE49-F238E27FC236}">
-                <a16:creationId xmlns:a16="http://schemas.microsoft.com/office/drawing/2014/main" id="{C1A100F7-2D13-FF9F-4EB4-9B52809F03E1}"/>
+                <a16:creationId xmlns:a16="http://schemas.microsoft.com/office/drawing/2014/main" id="{911F3304-0425-1B7A-97A7-1C4E79A723A4}"/>
               </a:ext>
             </a:extLst>
           </p:cNvPr>
@@ -2373,7 +2373,7 @@
           <a:bodyPr/>
           <a:lstStyle/>
           <a:p>
-            <a:fld id="{91FB37E2-4918-450D-8F54-0B555F638F47}" type="datetimeFigureOut">
+            <a:fld id="{8D8BE1EE-4370-4AF9-A707-2000E373C4F5}" type="datetimeFigureOut">
               <a:rPr lang="zh-CN" altLang="en-US" smtClean="0"/>
               <a:t>2024/3/10</a:t>
             </a:fld>
@@ -2386,7 +2386,7 @@
           <p:cNvPr id="6" name="页脚占位符 5">
             <a:extLst>
               <a:ext uri="{FF2B5EF4-FFF2-40B4-BE49-F238E27FC236}">
-                <a16:creationId xmlns:a16="http://schemas.microsoft.com/office/drawing/2014/main" id="{1190329A-AAE7-3D4E-4494-67ED54A1B3FA}"/>
+                <a16:creationId xmlns:a16="http://schemas.microsoft.com/office/drawing/2014/main" id="{C6219E8E-F632-2B20-424C-D3B448138E5B}"/>
               </a:ext>
             </a:extLst>
           </p:cNvPr>
@@ -2411,7 +2411,7 @@
           <p:cNvPr id="7" name="灯片编号占位符 6">
             <a:extLst>
               <a:ext uri="{FF2B5EF4-FFF2-40B4-BE49-F238E27FC236}">
-                <a16:creationId xmlns:a16="http://schemas.microsoft.com/office/drawing/2014/main" id="{89883D08-5A81-0620-2B8F-2CF92F9A1089}"/>
+                <a16:creationId xmlns:a16="http://schemas.microsoft.com/office/drawing/2014/main" id="{63593897-24CC-9F7E-F1CB-BAF58D70372F}"/>
               </a:ext>
             </a:extLst>
           </p:cNvPr>
@@ -2427,7 +2427,7 @@
           <a:bodyPr/>
           <a:lstStyle/>
           <a:p>
-            <a:fld id="{6D08D4B1-29A7-438F-A800-F31A448C27B8}" type="slidenum">
+            <a:fld id="{4E874D6C-7D2A-4B06-A12C-79502C0EDDA8}" type="slidenum">
               <a:rPr lang="zh-CN" altLang="en-US" smtClean="0"/>
               <a:t>‹#›</a:t>
             </a:fld>
@@ -2438,7 +2438,7 @@
     </p:spTree>
     <p:extLst>
       <p:ext uri="{BB962C8B-B14F-4D97-AF65-F5344CB8AC3E}">
-        <p14:creationId xmlns:p14="http://schemas.microsoft.com/office/powerpoint/2010/main" val="1296715727"/>
+        <p14:creationId xmlns:p14="http://schemas.microsoft.com/office/powerpoint/2010/main" val="3746051323"/>
       </p:ext>
     </p:extLst>
   </p:cSld>
@@ -2470,7 +2470,7 @@
           <p:cNvPr id="2" name="标题 1">
             <a:extLst>
               <a:ext uri="{FF2B5EF4-FFF2-40B4-BE49-F238E27FC236}">
-                <a16:creationId xmlns:a16="http://schemas.microsoft.com/office/drawing/2014/main" id="{5720F439-A10F-BBCD-AD98-6B856ECA58E8}"/>
+                <a16:creationId xmlns:a16="http://schemas.microsoft.com/office/drawing/2014/main" id="{EF479099-CFA3-5902-9BA1-EC9E2CC2D24B}"/>
               </a:ext>
             </a:extLst>
           </p:cNvPr>
@@ -2507,7 +2507,7 @@
           <p:cNvPr id="3" name="图片占位符 2">
             <a:extLst>
               <a:ext uri="{FF2B5EF4-FFF2-40B4-BE49-F238E27FC236}">
-                <a16:creationId xmlns:a16="http://schemas.microsoft.com/office/drawing/2014/main" id="{CF06F278-4092-7D12-3206-DE62C7B43B88}"/>
+                <a16:creationId xmlns:a16="http://schemas.microsoft.com/office/drawing/2014/main" id="{8FD2CF4C-985E-A203-B1D9-460C1962BD75}"/>
               </a:ext>
             </a:extLst>
           </p:cNvPr>
@@ -2574,7 +2574,7 @@
           <p:cNvPr id="4" name="文本占位符 3">
             <a:extLst>
               <a:ext uri="{FF2B5EF4-FFF2-40B4-BE49-F238E27FC236}">
-                <a16:creationId xmlns:a16="http://schemas.microsoft.com/office/drawing/2014/main" id="{729FC0DA-3578-8B3B-9634-85DD8AB923DE}"/>
+                <a16:creationId xmlns:a16="http://schemas.microsoft.com/office/drawing/2014/main" id="{F53380B3-D438-43C4-B37B-3A229BDCE9F4}"/>
               </a:ext>
             </a:extLst>
           </p:cNvPr>
@@ -2645,7 +2645,7 @@
           <p:cNvPr id="5" name="日期占位符 4">
             <a:extLst>
               <a:ext uri="{FF2B5EF4-FFF2-40B4-BE49-F238E27FC236}">
-                <a16:creationId xmlns:a16="http://schemas.microsoft.com/office/drawing/2014/main" id="{3569EF54-B07B-ED49-1475-9B366E3D3D48}"/>
+                <a16:creationId xmlns:a16="http://schemas.microsoft.com/office/drawing/2014/main" id="{7ADDB643-FF0D-FA24-3E2B-0130608981DB}"/>
               </a:ext>
             </a:extLst>
           </p:cNvPr>
@@ -2661,7 +2661,7 @@
           <a:bodyPr/>
           <a:lstStyle/>
           <a:p>
-            <a:fld id="{91FB37E2-4918-450D-8F54-0B555F638F47}" type="datetimeFigureOut">
+            <a:fld id="{8D8BE1EE-4370-4AF9-A707-2000E373C4F5}" type="datetimeFigureOut">
               <a:rPr lang="zh-CN" altLang="en-US" smtClean="0"/>
               <a:t>2024/3/10</a:t>
             </a:fld>
@@ -2674,7 +2674,7 @@
           <p:cNvPr id="6" name="页脚占位符 5">
             <a:extLst>
               <a:ext uri="{FF2B5EF4-FFF2-40B4-BE49-F238E27FC236}">
-                <a16:creationId xmlns:a16="http://schemas.microsoft.com/office/drawing/2014/main" id="{5038C054-C44E-F623-3231-AAD2DF8DB5E5}"/>
+                <a16:creationId xmlns:a16="http://schemas.microsoft.com/office/drawing/2014/main" id="{98079820-8ADF-3174-DADD-8FDF5EA13CAC}"/>
               </a:ext>
             </a:extLst>
           </p:cNvPr>
@@ -2699,7 +2699,7 @@
           <p:cNvPr id="7" name="灯片编号占位符 6">
             <a:extLst>
               <a:ext uri="{FF2B5EF4-FFF2-40B4-BE49-F238E27FC236}">
-                <a16:creationId xmlns:a16="http://schemas.microsoft.com/office/drawing/2014/main" id="{5E6ABBAE-9AA8-F1C4-8EC9-6D1F7124D3C5}"/>
+                <a16:creationId xmlns:a16="http://schemas.microsoft.com/office/drawing/2014/main" id="{F4B34255-D543-5B90-7BA0-42BBF7164BFA}"/>
               </a:ext>
             </a:extLst>
           </p:cNvPr>
@@ -2715,7 +2715,7 @@
           <a:bodyPr/>
           <a:lstStyle/>
           <a:p>
-            <a:fld id="{6D08D4B1-29A7-438F-A800-F31A448C27B8}" type="slidenum">
+            <a:fld id="{4E874D6C-7D2A-4B06-A12C-79502C0EDDA8}" type="slidenum">
               <a:rPr lang="zh-CN" altLang="en-US" smtClean="0"/>
               <a:t>‹#›</a:t>
             </a:fld>
@@ -2726,7 +2726,7 @@
     </p:spTree>
     <p:extLst>
       <p:ext uri="{BB962C8B-B14F-4D97-AF65-F5344CB8AC3E}">
-        <p14:creationId xmlns:p14="http://schemas.microsoft.com/office/powerpoint/2010/main" val="2873120519"/>
+        <p14:creationId xmlns:p14="http://schemas.microsoft.com/office/powerpoint/2010/main" val="225085386"/>
       </p:ext>
     </p:extLst>
   </p:cSld>
@@ -2763,7 +2763,7 @@
           <p:cNvPr id="2" name="标题占位符 1">
             <a:extLst>
               <a:ext uri="{FF2B5EF4-FFF2-40B4-BE49-F238E27FC236}">
-                <a16:creationId xmlns:a16="http://schemas.microsoft.com/office/drawing/2014/main" id="{1AAEAF3A-308E-02F8-65BF-86A0AA13B276}"/>
+                <a16:creationId xmlns:a16="http://schemas.microsoft.com/office/drawing/2014/main" id="{F49CFE79-EDA8-1720-40F8-E0E64B651D2F}"/>
               </a:ext>
             </a:extLst>
           </p:cNvPr>
@@ -2801,7 +2801,7 @@
           <p:cNvPr id="3" name="文本占位符 2">
             <a:extLst>
               <a:ext uri="{FF2B5EF4-FFF2-40B4-BE49-F238E27FC236}">
-                <a16:creationId xmlns:a16="http://schemas.microsoft.com/office/drawing/2014/main" id="{8EF78906-2468-D5BC-BC3B-0F8C534F9B6C}"/>
+                <a16:creationId xmlns:a16="http://schemas.microsoft.com/office/drawing/2014/main" id="{AB6F0B55-52BD-5ED0-8FE6-B153928DB6A5}"/>
               </a:ext>
             </a:extLst>
           </p:cNvPr>
@@ -2868,7 +2868,7 @@
           <p:cNvPr id="4" name="日期占位符 3">
             <a:extLst>
               <a:ext uri="{FF2B5EF4-FFF2-40B4-BE49-F238E27FC236}">
-                <a16:creationId xmlns:a16="http://schemas.microsoft.com/office/drawing/2014/main" id="{620C2012-EA0E-D5BA-6655-8730D3F29D6D}"/>
+                <a16:creationId xmlns:a16="http://schemas.microsoft.com/office/drawing/2014/main" id="{AF93D69C-B680-C504-76D8-9582A54F05CC}"/>
               </a:ext>
             </a:extLst>
           </p:cNvPr>
@@ -2902,7 +2902,7 @@
             </a:lvl1pPr>
           </a:lstStyle>
           <a:p>
-            <a:fld id="{91FB37E2-4918-450D-8F54-0B555F638F47}" type="datetimeFigureOut">
+            <a:fld id="{8D8BE1EE-4370-4AF9-A707-2000E373C4F5}" type="datetimeFigureOut">
               <a:rPr lang="zh-CN" altLang="en-US" smtClean="0"/>
               <a:t>2024/3/10</a:t>
             </a:fld>
@@ -2915,7 +2915,7 @@
           <p:cNvPr id="5" name="页脚占位符 4">
             <a:extLst>
               <a:ext uri="{FF2B5EF4-FFF2-40B4-BE49-F238E27FC236}">
-                <a16:creationId xmlns:a16="http://schemas.microsoft.com/office/drawing/2014/main" id="{3EFDD16A-940A-F8E9-ACF6-1BD7BC216098}"/>
+                <a16:creationId xmlns:a16="http://schemas.microsoft.com/office/drawing/2014/main" id="{2AD6EA0D-4776-105E-044E-671A4DCA51B9}"/>
               </a:ext>
             </a:extLst>
           </p:cNvPr>
@@ -2958,7 +2958,7 @@
           <p:cNvPr id="6" name="灯片编号占位符 5">
             <a:extLst>
               <a:ext uri="{FF2B5EF4-FFF2-40B4-BE49-F238E27FC236}">
-                <a16:creationId xmlns:a16="http://schemas.microsoft.com/office/drawing/2014/main" id="{C26A54CC-FF36-ACE6-6C7D-1F4C4873713D}"/>
+                <a16:creationId xmlns:a16="http://schemas.microsoft.com/office/drawing/2014/main" id="{3343B5C0-EB3C-1292-BC16-F3B7DCF05C2B}"/>
               </a:ext>
             </a:extLst>
           </p:cNvPr>
@@ -2992,7 +2992,7 @@
             </a:lvl1pPr>
           </a:lstStyle>
           <a:p>
-            <a:fld id="{6D08D4B1-29A7-438F-A800-F31A448C27B8}" type="slidenum">
+            <a:fld id="{4E874D6C-7D2A-4B06-A12C-79502C0EDDA8}" type="slidenum">
               <a:rPr lang="zh-CN" altLang="en-US" smtClean="0"/>
               <a:t>‹#›</a:t>
             </a:fld>
@@ -3003,7 +3003,7 @@
     </p:spTree>
     <p:extLst>
       <p:ext uri="{BB962C8B-B14F-4D97-AF65-F5344CB8AC3E}">
-        <p14:creationId xmlns:p14="http://schemas.microsoft.com/office/powerpoint/2010/main" val="168871695"/>
+        <p14:creationId xmlns:p14="http://schemas.microsoft.com/office/powerpoint/2010/main" val="2189759739"/>
       </p:ext>
     </p:extLst>
   </p:cSld>
